--- a/static/asset/PRESENTATION.pptx
+++ b/static/asset/PRESENTATION.pptx
@@ -11411,7 +11411,7 @@
         <p:spPr>
           <a:xfrm>
             <a:off x="4579513" y="5181600"/>
-            <a:ext cx="9128975" cy="1154162"/>
+            <a:ext cx="9128975" cy="1384995"/>
           </a:xfrm>
           <a:prstGeom prst="rect">
             <a:avLst/>
@@ -11440,7 +11440,7 @@
               <a:buNone/>
             </a:pPr>
             <a:r>
-              <a:rPr lang="en-US" sz="4000" b="1" i="1" u="none" strike="noStrike" cap="none">
+              <a:rPr lang="en-US" sz="4000" b="1" i="1" u="none" strike="noStrike" cap="none" dirty="0">
                 <a:solidFill>
                   <a:srgbClr val="404040"/>
                 </a:solidFill>
@@ -11449,9 +11449,21 @@
                 <a:cs typeface="Questrial"/>
                 <a:sym typeface="Questrial"/>
               </a:rPr>
-              <a:t>Using RNN and hybrid LSTM</a:t>
-            </a:r>
-            <a:endParaRPr/>
+              <a:t>Using RNN and </a:t>
+            </a:r>
+            <a:r>
+              <a:rPr lang="en-US" sz="4000" b="1" i="1" u="none" strike="noStrike" cap="none" dirty="0" smtClean="0">
+                <a:solidFill>
+                  <a:srgbClr val="404040"/>
+                </a:solidFill>
+                <a:latin typeface="Questrial"/>
+                <a:ea typeface="Questrial"/>
+                <a:cs typeface="Questrial"/>
+                <a:sym typeface="Questrial"/>
+              </a:rPr>
+              <a:t>LSTM Models</a:t>
+            </a:r>
+            <a:endParaRPr dirty="0"/>
           </a:p>
         </p:txBody>
       </p:sp>
@@ -12345,10 +12357,22 @@
             </a:br>
             <a:r>
               <a:rPr lang="en-US" sz="3600" b="1" dirty="0"/>
-              <a:t>1. Effective Long-Term Dependency Learning</a:t>
+              <a:t>1. </a:t>
+            </a:r>
+            <a:r>
+              <a:rPr lang="en-US" sz="3600" b="1" u="sng" dirty="0"/>
+              <a:t>Effective Long-Term Dependency </a:t>
+            </a:r>
+            <a:r>
+              <a:rPr lang="en-US" sz="3600" b="1" u="sng" dirty="0" smtClean="0"/>
+              <a:t>Learning:</a:t>
+            </a:r>
+            <a:r>
+              <a:rPr lang="en-US" sz="3600" b="1" u="sng" dirty="0"/>
+              <a:t/>
             </a:r>
             <a:br>
-              <a:rPr lang="en-US" sz="3600" b="1" dirty="0"/>
+              <a:rPr lang="en-US" sz="3600" b="1" u="sng" dirty="0"/>
             </a:br>
             <a:r>
               <a:rPr lang="en-US" sz="3600" dirty="0"/>
@@ -12366,7 +12390,19 @@
             </a:br>
             <a:r>
               <a:rPr lang="en-US" sz="3600" b="1" dirty="0"/>
-              <a:t>2. Prevention of Vanishing/Exploding Gradients</a:t>
+              <a:t>2. </a:t>
+            </a:r>
+            <a:r>
+              <a:rPr lang="en-US" sz="3600" b="1" u="sng" dirty="0"/>
+              <a:t>Prevention of Vanishing/Exploding </a:t>
+            </a:r>
+            <a:r>
+              <a:rPr lang="en-US" sz="3600" b="1" u="sng" dirty="0" smtClean="0"/>
+              <a:t>Gradients:</a:t>
+            </a:r>
+            <a:r>
+              <a:rPr lang="en-US" sz="3600" b="1" dirty="0"/>
+              <a:t/>
             </a:r>
             <a:br>
               <a:rPr lang="en-US" sz="3600" b="1" dirty="0"/>
@@ -14380,7 +14416,7 @@
         </p:nvSpPr>
         <p:spPr>
           <a:xfrm>
-            <a:off x="1066799" y="840859"/>
+            <a:off x="1066799" y="678892"/>
             <a:ext cx="16289394" cy="1200288"/>
           </a:xfrm>
           <a:prstGeom prst="rect">
@@ -14435,8 +14471,8 @@
         </p:nvSpPr>
         <p:spPr>
           <a:xfrm>
-            <a:off x="851272" y="2337484"/>
-            <a:ext cx="16504921" cy="7109639"/>
+            <a:off x="851272" y="2013551"/>
+            <a:ext cx="16504921" cy="7540526"/>
           </a:xfrm>
           <a:prstGeom prst="rect">
             <a:avLst/>
@@ -14449,323 +14485,529 @@
           </a:bodyPr>
           <a:lstStyle/>
           <a:p>
-            <a:r>
-              <a:rPr lang="en-IN" sz="2400" dirty="0" smtClean="0"/>
-              <a:t>1. </a:t>
-            </a:r>
-            <a:r>
-              <a:rPr lang="en-IN" sz="2400" b="1" u="sng" dirty="0" smtClean="0"/>
+            <a:pPr marL="457200" indent="-457200">
+              <a:buAutoNum type="arabicPeriod"/>
+            </a:pPr>
+            <a:r>
+              <a:rPr lang="en-IN" sz="2200" b="1" u="sng" dirty="0" smtClean="0"/>
               <a:t>Programming </a:t>
             </a:r>
             <a:r>
-              <a:rPr lang="en-IN" sz="2400" b="1" u="sng" dirty="0"/>
+              <a:rPr lang="en-IN" sz="2200" b="1" u="sng" dirty="0"/>
               <a:t>Languages and </a:t>
             </a:r>
             <a:r>
-              <a:rPr lang="en-IN" sz="2400" b="1" u="sng" dirty="0" smtClean="0"/>
+              <a:rPr lang="en-IN" sz="2200" b="1" u="sng" dirty="0" smtClean="0"/>
               <a:t>Frameworks</a:t>
             </a:r>
             <a:r>
-              <a:rPr lang="en-IN" sz="2400" dirty="0" smtClean="0"/>
+              <a:rPr lang="en-IN" sz="2200" dirty="0" smtClean="0"/>
               <a:t>: Python </a:t>
             </a:r>
             <a:r>
-              <a:rPr lang="en-IN" sz="2400" dirty="0"/>
+              <a:rPr lang="en-IN" sz="2200" dirty="0"/>
               <a:t>(for data processing, model development, and training</a:t>
             </a:r>
             <a:r>
-              <a:rPr lang="en-IN" sz="2400" dirty="0" smtClean="0"/>
-              <a:t>).</a:t>
-            </a:r>
+              <a:rPr lang="en-IN" sz="2200" dirty="0" smtClean="0"/>
+              <a:t>). [ </a:t>
+            </a:r>
+            <a:r>
+              <a:rPr lang="en-US" sz="2200" b="1" dirty="0" smtClean="0"/>
+              <a:t>version</a:t>
+            </a:r>
+            <a:r>
+              <a:rPr lang="en-US" sz="2200" dirty="0" smtClean="0"/>
+              <a:t> : 3.10.11 ]</a:t>
+            </a:r>
+            <a:endParaRPr lang="en-IN" sz="2200" dirty="0" smtClean="0"/>
           </a:p>
           <a:p>
             <a:r>
-              <a:rPr lang="en-IN" sz="2400" dirty="0"/>
+              <a:rPr lang="en-IN" sz="2200" dirty="0"/>
               <a:t/>
             </a:r>
             <a:br>
-              <a:rPr lang="en-IN" sz="2400" dirty="0"/>
+              <a:rPr lang="en-IN" sz="2200" dirty="0"/>
             </a:br>
             <a:r>
-              <a:rPr lang="en-IN" sz="2400" dirty="0"/>
+              <a:rPr lang="en-IN" sz="2200" dirty="0"/>
               <a:t>2. </a:t>
             </a:r>
             <a:r>
-              <a:rPr lang="en-IN" sz="2400" b="1" u="sng" dirty="0"/>
+              <a:rPr lang="en-IN" sz="2200" b="1" u="sng" dirty="0"/>
               <a:t>Development Tools</a:t>
             </a:r>
             <a:r>
-              <a:rPr lang="en-IN" sz="2400" dirty="0"/>
+              <a:rPr lang="en-IN" sz="2200" dirty="0"/>
               <a:t>:</a:t>
             </a:r>
             <a:br>
-              <a:rPr lang="en-IN" sz="2400" dirty="0"/>
+              <a:rPr lang="en-IN" sz="2200" dirty="0"/>
             </a:br>
             <a:r>
-              <a:rPr lang="en-IN" sz="2400" dirty="0" smtClean="0"/>
+              <a:rPr lang="en-IN" sz="2200" dirty="0" smtClean="0"/>
               <a:t>    - </a:t>
             </a:r>
             <a:r>
-              <a:rPr lang="en-IN" sz="2400" dirty="0"/>
+              <a:rPr lang="en-IN" sz="2200" dirty="0"/>
               <a:t>Google COLAB or an integrated development environment (IDE) like VS Code for coding and testing.</a:t>
             </a:r>
             <a:br>
-              <a:rPr lang="en-IN" sz="2400" dirty="0"/>
+              <a:rPr lang="en-IN" sz="2200" dirty="0"/>
             </a:br>
             <a:r>
-              <a:rPr lang="en-IN" sz="2400" dirty="0" smtClean="0"/>
+              <a:rPr lang="en-IN" sz="2200" dirty="0" smtClean="0"/>
               <a:t>    - </a:t>
             </a:r>
             <a:r>
-              <a:rPr lang="en-IN" sz="2400" dirty="0"/>
-              <a:t>APIs for web scraping or social media API integration for data collection.</a:t>
+              <a:rPr lang="en-IN" sz="2200" dirty="0"/>
+              <a:t>APIs for web scraping or social media API integration for data collection</a:t>
+            </a:r>
+            <a:r>
+              <a:rPr lang="en-IN" sz="2200" dirty="0" smtClean="0"/>
+              <a:t>. [ </a:t>
+            </a:r>
+            <a:r>
+              <a:rPr lang="en-US" sz="2200" b="1" dirty="0" smtClean="0"/>
+              <a:t>version</a:t>
+            </a:r>
+            <a:r>
+              <a:rPr lang="en-US" sz="2200" dirty="0" smtClean="0"/>
+              <a:t> : </a:t>
+            </a:r>
+            <a:r>
+              <a:rPr lang="en-US" sz="2200" dirty="0" err="1" smtClean="0"/>
+              <a:t>youtube</a:t>
+            </a:r>
+            <a:r>
+              <a:rPr lang="en-US" sz="2200" dirty="0" smtClean="0"/>
+              <a:t> </a:t>
+            </a:r>
+            <a:r>
+              <a:rPr lang="en-US" sz="2200" dirty="0" err="1" smtClean="0"/>
+              <a:t>api</a:t>
+            </a:r>
+            <a:r>
+              <a:rPr lang="en-US" sz="2200" dirty="0" smtClean="0"/>
+              <a:t> v3 ]</a:t>
+            </a:r>
+            <a:r>
+              <a:rPr lang="en-IN" sz="2200" dirty="0"/>
+              <a:t/>
             </a:r>
             <a:br>
-              <a:rPr lang="en-IN" sz="2400" dirty="0"/>
+              <a:rPr lang="en-IN" sz="2200" dirty="0"/>
             </a:br>
             <a:r>
-              <a:rPr lang="en-IN" sz="2400" dirty="0"/>
+              <a:rPr lang="en-IN" sz="2200" dirty="0"/>
               <a:t/>
             </a:r>
             <a:br>
-              <a:rPr lang="en-IN" sz="2400" dirty="0"/>
+              <a:rPr lang="en-IN" sz="2200" dirty="0"/>
             </a:br>
             <a:r>
-              <a:rPr lang="en-IN" sz="2400" dirty="0"/>
+              <a:rPr lang="en-IN" sz="2200" dirty="0"/>
               <a:t>3. </a:t>
             </a:r>
             <a:r>
-              <a:rPr lang="en-IN" sz="2400" b="1" u="sng" dirty="0" smtClean="0"/>
+              <a:rPr lang="en-IN" sz="2200" b="1" u="sng" dirty="0" smtClean="0"/>
               <a:t>Libraries for Data Processing and Analysis</a:t>
             </a:r>
             <a:r>
-              <a:rPr lang="en-IN" sz="2400" dirty="0" smtClean="0"/>
+              <a:rPr lang="en-IN" sz="2200" dirty="0" smtClean="0"/>
               <a:t>:</a:t>
             </a:r>
             <a:r>
-              <a:rPr lang="en-IN" sz="2400" dirty="0"/>
+              <a:rPr lang="en-IN" sz="2200" dirty="0"/>
               <a:t/>
             </a:r>
             <a:br>
-              <a:rPr lang="en-IN" sz="2400" dirty="0"/>
+              <a:rPr lang="en-IN" sz="2200" dirty="0"/>
             </a:br>
             <a:r>
-              <a:rPr lang="en-IN" sz="2400" dirty="0" smtClean="0"/>
+              <a:rPr lang="en-IN" sz="2200" dirty="0" smtClean="0"/>
               <a:t>    - </a:t>
             </a:r>
             <a:r>
-              <a:rPr lang="en-IN" sz="2400" dirty="0"/>
-              <a:t>Pandas and </a:t>
-            </a:r>
-            <a:r>
-              <a:rPr lang="en-IN" sz="2400" dirty="0" err="1"/>
+              <a:rPr lang="en-IN" sz="2200" dirty="0"/>
+              <a:t>Pandas [ </a:t>
+            </a:r>
+            <a:r>
+              <a:rPr lang="en-US" sz="2200" b="1" dirty="0"/>
+              <a:t>version</a:t>
+            </a:r>
+            <a:r>
+              <a:rPr lang="en-US" sz="2200" dirty="0"/>
+              <a:t> : </a:t>
+            </a:r>
+            <a:r>
+              <a:rPr lang="en-US" sz="2200" dirty="0" smtClean="0"/>
+              <a:t>2.2.3 </a:t>
+            </a:r>
+            <a:r>
+              <a:rPr lang="en-US" sz="2200" dirty="0"/>
+              <a:t>]</a:t>
+            </a:r>
+            <a:r>
+              <a:rPr lang="en-IN" sz="2200" dirty="0" smtClean="0"/>
+              <a:t> </a:t>
+            </a:r>
+            <a:r>
+              <a:rPr lang="en-IN" sz="2200" dirty="0"/>
+              <a:t>and </a:t>
+            </a:r>
+            <a:r>
+              <a:rPr lang="en-IN" sz="2200" dirty="0" err="1"/>
               <a:t>NumPy</a:t>
             </a:r>
             <a:r>
-              <a:rPr lang="en-IN" sz="2400" dirty="0"/>
-              <a:t> (for data manipulation and numerical operations).</a:t>
+              <a:rPr lang="en-IN" sz="2200" dirty="0"/>
+              <a:t> (for data manipulation and numerical operations). [ </a:t>
+            </a:r>
+            <a:r>
+              <a:rPr lang="en-US" sz="2200" b="1" dirty="0"/>
+              <a:t>version</a:t>
+            </a:r>
+            <a:r>
+              <a:rPr lang="en-US" sz="2200" dirty="0"/>
+              <a:t> </a:t>
+            </a:r>
+            <a:r>
+              <a:rPr lang="en-US" sz="2200" dirty="0" smtClean="0"/>
+              <a:t>: 2.0.2 ]</a:t>
+            </a:r>
+            <a:r>
+              <a:rPr lang="en-IN" sz="2200" dirty="0"/>
+              <a:t/>
             </a:r>
             <a:br>
-              <a:rPr lang="en-IN" sz="2400" dirty="0"/>
+              <a:rPr lang="en-IN" sz="2200" dirty="0"/>
             </a:br>
             <a:r>
-              <a:rPr lang="en-IN" sz="2400" dirty="0" smtClean="0"/>
-              <a:t>    - </a:t>
-            </a:r>
-            <a:r>
-              <a:rPr lang="en-IN" sz="2400" dirty="0"/>
-              <a:t>NLTK or </a:t>
-            </a:r>
-            <a:r>
-              <a:rPr lang="en-IN" sz="2400" dirty="0" err="1"/>
+              <a:rPr lang="en-IN" sz="2200" dirty="0" smtClean="0"/>
+              <a:t>    - NLTK (natural language </a:t>
+            </a:r>
+            <a:r>
+              <a:rPr lang="en-IN" sz="2200" dirty="0"/>
+              <a:t>tool kit [ </a:t>
+            </a:r>
+            <a:r>
+              <a:rPr lang="en-US" sz="2200" b="1" dirty="0"/>
+              <a:t>version</a:t>
+            </a:r>
+            <a:r>
+              <a:rPr lang="en-US" sz="2200" dirty="0"/>
+              <a:t> : </a:t>
+            </a:r>
+            <a:r>
+              <a:rPr lang="en-US" sz="2200" dirty="0" smtClean="0"/>
+              <a:t>3.9.1 </a:t>
+            </a:r>
+            <a:r>
+              <a:rPr lang="en-US" sz="2200" dirty="0"/>
+              <a:t>]</a:t>
+            </a:r>
+            <a:r>
+              <a:rPr lang="en-IN" sz="2200" dirty="0" smtClean="0"/>
+              <a:t> ) </a:t>
+            </a:r>
+            <a:r>
+              <a:rPr lang="en-IN" sz="2200" dirty="0"/>
+              <a:t>or </a:t>
+            </a:r>
+            <a:r>
+              <a:rPr lang="en-IN" sz="2200" dirty="0" err="1"/>
               <a:t>SpaCy</a:t>
             </a:r>
             <a:r>
-              <a:rPr lang="en-IN" sz="2400" dirty="0"/>
+              <a:rPr lang="en-IN" sz="2200" dirty="0"/>
               <a:t> (for text </a:t>
             </a:r>
             <a:r>
-              <a:rPr lang="en-IN" sz="2400" dirty="0" err="1"/>
+              <a:rPr lang="en-IN" sz="2200" dirty="0" err="1"/>
               <a:t>preprocessing</a:t>
             </a:r>
             <a:r>
-              <a:rPr lang="en-IN" sz="2400" dirty="0"/>
-              <a:t>, tokenization, and normalization).</a:t>
+              <a:rPr lang="en-IN" sz="2200" dirty="0"/>
+              <a:t>, tokenization, and normalization</a:t>
+            </a:r>
+            <a:r>
+              <a:rPr lang="en-IN" sz="2200" dirty="0" smtClean="0"/>
+              <a:t>) [ </a:t>
+            </a:r>
+            <a:r>
+              <a:rPr lang="en-US" sz="2200" b="1" dirty="0"/>
+              <a:t>version</a:t>
+            </a:r>
+            <a:r>
+              <a:rPr lang="en-US" sz="2200" dirty="0"/>
+              <a:t> : </a:t>
+            </a:r>
+            <a:r>
+              <a:rPr lang="en-US" sz="2200" dirty="0" smtClean="0"/>
+              <a:t>3.8.2 </a:t>
+            </a:r>
+            <a:r>
+              <a:rPr lang="en-US" sz="2200" dirty="0"/>
+              <a:t>]</a:t>
+            </a:r>
+            <a:r>
+              <a:rPr lang="en-IN" sz="2200" dirty="0"/>
+              <a:t/>
             </a:r>
             <a:br>
-              <a:rPr lang="en-IN" sz="2400" dirty="0"/>
+              <a:rPr lang="en-IN" sz="2200" dirty="0"/>
             </a:br>
             <a:r>
-              <a:rPr lang="en-IN" sz="2400" dirty="0"/>
+              <a:rPr lang="en-IN" sz="2200" dirty="0"/>
               <a:t/>
             </a:r>
             <a:br>
-              <a:rPr lang="en-IN" sz="2400" dirty="0"/>
+              <a:rPr lang="en-IN" sz="2200" dirty="0"/>
             </a:br>
             <a:r>
-              <a:rPr lang="en-IN" sz="2400" dirty="0"/>
+              <a:rPr lang="en-IN" sz="2200" dirty="0"/>
               <a:t>4. </a:t>
             </a:r>
             <a:r>
-              <a:rPr lang="en-IN" sz="2400" b="1" u="sng" dirty="0"/>
+              <a:rPr lang="en-IN" sz="2200" b="1" u="sng" dirty="0"/>
               <a:t>Deep Learning </a:t>
             </a:r>
             <a:r>
-              <a:rPr lang="en-IN" sz="2400" b="1" u="sng" dirty="0" smtClean="0"/>
+              <a:rPr lang="en-IN" sz="2200" b="1" u="sng" dirty="0" smtClean="0"/>
               <a:t>Libraries</a:t>
             </a:r>
             <a:r>
-              <a:rPr lang="en-IN" sz="2400" dirty="0" smtClean="0"/>
+              <a:rPr lang="en-IN" sz="2200" dirty="0" smtClean="0"/>
               <a:t>: </a:t>
             </a:r>
             <a:r>
-              <a:rPr lang="en-IN" sz="2400" dirty="0" err="1" smtClean="0"/>
+              <a:rPr lang="en-IN" sz="2200" dirty="0" err="1" smtClean="0"/>
               <a:t>TensorFlow</a:t>
             </a:r>
             <a:r>
-              <a:rPr lang="en-IN" sz="2400" dirty="0" smtClean="0"/>
+              <a:rPr lang="en-IN" sz="2200" dirty="0" smtClean="0"/>
               <a:t> &amp; Libraries </a:t>
             </a:r>
             <a:r>
-              <a:rPr lang="en-IN" sz="2400" dirty="0"/>
+              <a:rPr lang="en-IN" sz="2200" dirty="0"/>
               <a:t>for hybrid architecture integration, such as </a:t>
             </a:r>
             <a:r>
-              <a:rPr lang="en-IN" sz="2400" dirty="0" err="1"/>
+              <a:rPr lang="en-IN" sz="2200" dirty="0" err="1"/>
               <a:t>Keras</a:t>
             </a:r>
             <a:r>
-              <a:rPr lang="en-IN" sz="2400" dirty="0"/>
+              <a:rPr lang="en-IN" sz="2200" dirty="0"/>
               <a:t> while using </a:t>
             </a:r>
             <a:r>
-              <a:rPr lang="en-IN" sz="2400" dirty="0" err="1"/>
+              <a:rPr lang="en-IN" sz="2200" dirty="0" err="1"/>
               <a:t>TensorFlow</a:t>
             </a:r>
             <a:r>
-              <a:rPr lang="en-IN" sz="2400" dirty="0"/>
-              <a:t>.</a:t>
+              <a:rPr lang="en-IN" sz="2200" dirty="0"/>
+              <a:t> [ </a:t>
+            </a:r>
+            <a:r>
+              <a:rPr lang="en-US" sz="2200" b="1" dirty="0"/>
+              <a:t>version</a:t>
+            </a:r>
+            <a:r>
+              <a:rPr lang="en-US" sz="2200" dirty="0"/>
+              <a:t> : </a:t>
+            </a:r>
+            <a:r>
+              <a:rPr lang="en-US" sz="2200" dirty="0" smtClean="0"/>
+              <a:t>2.18.0]</a:t>
+            </a:r>
+            <a:r>
+              <a:rPr lang="en-IN" sz="2200" dirty="0"/>
+              <a:t/>
             </a:r>
             <a:br>
-              <a:rPr lang="en-IN" sz="2400" dirty="0"/>
+              <a:rPr lang="en-IN" sz="2200" dirty="0"/>
             </a:br>
             <a:r>
-              <a:rPr lang="en-IN" sz="2400" dirty="0"/>
+              <a:rPr lang="en-IN" sz="2200" dirty="0"/>
               <a:t/>
             </a:r>
             <a:br>
-              <a:rPr lang="en-IN" sz="2400" dirty="0"/>
+              <a:rPr lang="en-IN" sz="2200" dirty="0"/>
             </a:br>
             <a:r>
-              <a:rPr lang="en-IN" sz="2400" dirty="0"/>
+              <a:rPr lang="en-IN" sz="2200" dirty="0"/>
               <a:t>5</a:t>
             </a:r>
             <a:r>
-              <a:rPr lang="en-IN" sz="2400" b="1" dirty="0"/>
+              <a:rPr lang="en-IN" sz="2200" b="1" dirty="0"/>
               <a:t>. </a:t>
             </a:r>
             <a:r>
-              <a:rPr lang="en-IN" sz="2400" b="1" u="sng" dirty="0"/>
+              <a:rPr lang="en-IN" sz="2200" b="1" u="sng" dirty="0"/>
               <a:t>Visualization </a:t>
             </a:r>
             <a:r>
-              <a:rPr lang="en-IN" sz="2400" b="1" u="sng" dirty="0" smtClean="0"/>
+              <a:rPr lang="en-IN" sz="2200" b="1" u="sng" dirty="0" smtClean="0"/>
               <a:t>Tools</a:t>
             </a:r>
             <a:r>
-              <a:rPr lang="en-IN" sz="2400" dirty="0" smtClean="0"/>
+              <a:rPr lang="en-IN" sz="2200" dirty="0" smtClean="0"/>
               <a:t>: </a:t>
             </a:r>
             <a:r>
-              <a:rPr lang="en-IN" sz="2400" dirty="0" err="1" smtClean="0"/>
+              <a:rPr lang="en-IN" sz="2200" dirty="0" err="1" smtClean="0"/>
               <a:t>Matplotlib</a:t>
             </a:r>
             <a:r>
-              <a:rPr lang="en-IN" sz="2400" dirty="0"/>
+              <a:rPr lang="en-IN" sz="2200" dirty="0"/>
               <a:t>, </a:t>
             </a:r>
             <a:r>
-              <a:rPr lang="en-IN" sz="2400" dirty="0" err="1"/>
+              <a:rPr lang="en-IN" sz="2200" dirty="0" err="1"/>
               <a:t>Seaborn</a:t>
             </a:r>
             <a:r>
-              <a:rPr lang="en-IN" sz="2400" dirty="0"/>
+              <a:rPr lang="en-IN" sz="2200" dirty="0"/>
               <a:t>, or </a:t>
             </a:r>
             <a:r>
-              <a:rPr lang="en-IN" sz="2400" dirty="0" err="1"/>
+              <a:rPr lang="en-IN" sz="2200" dirty="0" err="1"/>
               <a:t>Plotly</a:t>
             </a:r>
             <a:r>
-              <a:rPr lang="en-IN" sz="2400" dirty="0"/>
-              <a:t> (for visualizing model performance and comparative analysis).</a:t>
+              <a:rPr lang="en-IN" sz="2200" dirty="0"/>
+              <a:t> (for visualizing model performance and comparative analysis</a:t>
+            </a:r>
+            <a:r>
+              <a:rPr lang="en-IN" sz="2200" dirty="0" smtClean="0"/>
+              <a:t>).</a:t>
+            </a:r>
+          </a:p>
+          <a:p>
+            <a:r>
+              <a:rPr lang="en-IN" sz="2200" dirty="0"/>
+              <a:t>	</a:t>
+            </a:r>
+            <a:r>
+              <a:rPr lang="en-IN" sz="2200" dirty="0" smtClean="0"/>
+              <a:t>		[ </a:t>
+            </a:r>
+            <a:r>
+              <a:rPr lang="en-US" sz="2200" b="1" dirty="0"/>
+              <a:t>version</a:t>
+            </a:r>
+            <a:r>
+              <a:rPr lang="en-US" sz="2200" dirty="0"/>
+              <a:t> : </a:t>
+            </a:r>
+            <a:r>
+              <a:rPr lang="en-US" sz="2200" dirty="0" smtClean="0"/>
+              <a:t>3.9.2, 0.13.2, 5.24.1 </a:t>
+            </a:r>
+            <a:r>
+              <a:rPr lang="en-US" sz="2200" dirty="0"/>
+              <a:t>]</a:t>
+            </a:r>
+            <a:r>
+              <a:rPr lang="en-IN" sz="2200" dirty="0"/>
+              <a:t/>
             </a:r>
             <a:br>
-              <a:rPr lang="en-IN" sz="2400" dirty="0"/>
+              <a:rPr lang="en-IN" sz="2200" dirty="0"/>
             </a:br>
             <a:r>
-              <a:rPr lang="en-IN" sz="2400" dirty="0"/>
+              <a:rPr lang="en-IN" sz="2200" dirty="0"/>
               <a:t/>
             </a:r>
             <a:br>
-              <a:rPr lang="en-IN" sz="2400" dirty="0"/>
+              <a:rPr lang="en-IN" sz="2200" dirty="0"/>
             </a:br>
             <a:r>
-              <a:rPr lang="en-IN" sz="2400" dirty="0"/>
+              <a:rPr lang="en-IN" sz="2200" dirty="0"/>
               <a:t>6. </a:t>
             </a:r>
             <a:r>
-              <a:rPr lang="en-IN" sz="2400" b="1" u="sng" dirty="0"/>
-              <a:t>Testing </a:t>
-            </a:r>
-            <a:r>
-              <a:rPr lang="en-IN" sz="2400" b="1" u="sng" dirty="0" smtClean="0"/>
-              <a:t>Tools</a:t>
-            </a:r>
-            <a:r>
-              <a:rPr lang="en-IN" sz="2400" dirty="0" smtClean="0"/>
+              <a:rPr lang="en-IN" sz="2200" b="1" u="sng" dirty="0" smtClean="0"/>
+              <a:t>Other Libraries </a:t>
+            </a:r>
+            <a:r>
+              <a:rPr lang="en-IN" sz="2200" dirty="0" smtClean="0"/>
               <a:t>: </a:t>
             </a:r>
             <a:r>
-              <a:rPr lang="en-IN" sz="2400" dirty="0" err="1" smtClean="0"/>
+              <a:rPr lang="en-IN" sz="2200" dirty="0" err="1" smtClean="0"/>
               <a:t>Scikit</a:t>
             </a:r>
             <a:r>
-              <a:rPr lang="en-IN" sz="2400" dirty="0" smtClean="0"/>
+              <a:rPr lang="en-IN" sz="2200" dirty="0" smtClean="0"/>
               <a:t>-learn </a:t>
             </a:r>
             <a:r>
-              <a:rPr lang="en-IN" sz="2400" dirty="0"/>
-              <a:t>(for performance metrics and model validation).</a:t>
+              <a:rPr lang="en-IN" sz="2200" dirty="0"/>
+              <a:t>(for </a:t>
+            </a:r>
+            <a:r>
+              <a:rPr lang="en-IN" sz="2200" dirty="0" smtClean="0"/>
+              <a:t>traditional models training and testing</a:t>
+            </a:r>
+            <a:r>
+              <a:rPr lang="en-IN" sz="2200" dirty="0" smtClean="0"/>
+              <a:t>). </a:t>
+            </a:r>
+            <a:r>
+              <a:rPr lang="en-IN" sz="2200" dirty="0"/>
+              <a:t>[ </a:t>
+            </a:r>
+            <a:r>
+              <a:rPr lang="en-US" sz="2200" b="1" dirty="0"/>
+              <a:t>version</a:t>
+            </a:r>
+            <a:r>
+              <a:rPr lang="en-US" sz="2200" dirty="0"/>
+              <a:t> : </a:t>
+            </a:r>
+            <a:r>
+              <a:rPr lang="en-US" sz="2200" dirty="0" smtClean="0"/>
+              <a:t>1.5.2 </a:t>
+            </a:r>
+            <a:r>
+              <a:rPr lang="en-US" sz="2200" dirty="0" smtClean="0"/>
+              <a:t>]</a:t>
+            </a:r>
+            <a:r>
+              <a:rPr lang="en-IN" sz="2200" dirty="0"/>
+              <a:t/>
             </a:r>
             <a:br>
-              <a:rPr lang="en-IN" sz="2400" dirty="0"/>
+              <a:rPr lang="en-IN" sz="2200" dirty="0"/>
             </a:br>
             <a:r>
-              <a:rPr lang="en-IN" sz="2400" dirty="0"/>
+              <a:rPr lang="en-IN" sz="2200" dirty="0"/>
               <a:t/>
             </a:r>
             <a:br>
-              <a:rPr lang="en-IN" sz="2400" dirty="0"/>
+              <a:rPr lang="en-IN" sz="2200" dirty="0"/>
             </a:br>
             <a:r>
-              <a:rPr lang="en-IN" sz="2400" dirty="0"/>
+              <a:rPr lang="en-IN" sz="2200" dirty="0"/>
               <a:t>7. </a:t>
             </a:r>
             <a:r>
-              <a:rPr lang="en-IN" sz="2400" b="1" u="sng" dirty="0"/>
+              <a:rPr lang="en-IN" sz="2200" b="1" u="sng" dirty="0"/>
               <a:t>Hardware </a:t>
             </a:r>
             <a:r>
-              <a:rPr lang="en-IN" sz="2400" b="1" u="sng" dirty="0" smtClean="0"/>
+              <a:rPr lang="en-IN" sz="2200" b="1" u="sng" dirty="0" smtClean="0"/>
               <a:t>Requirements</a:t>
             </a:r>
             <a:r>
-              <a:rPr lang="en-IN" sz="2400" dirty="0" smtClean="0"/>
+              <a:rPr lang="en-IN" sz="2200" dirty="0" smtClean="0"/>
               <a:t>: High-performance </a:t>
             </a:r>
             <a:r>
-              <a:rPr lang="en-IN" sz="2400" dirty="0"/>
+              <a:rPr lang="en-IN" sz="2200" dirty="0"/>
               <a:t>computing resources with GPUs are used to efficiently train the deep learning model.</a:t>
             </a:r>
           </a:p>
@@ -14816,7 +15058,7 @@
         </p:nvGrpSpPr>
         <p:grpSpPr>
           <a:xfrm>
-            <a:off x="576263" y="460963"/>
+            <a:off x="576263" y="553311"/>
             <a:ext cx="17135475" cy="9256578"/>
             <a:chOff x="0" y="-28575"/>
             <a:chExt cx="4513047" cy="2437946"/>
@@ -15027,104 +15269,6 @@
       </p:sp>
       <p:sp>
         <p:nvSpPr>
-          <p:cNvPr id="212" name="Google Shape;212;p22"/>
-          <p:cNvSpPr txBox="1"/>
-          <p:nvPr/>
-        </p:nvSpPr>
-        <p:spPr>
-          <a:xfrm>
-            <a:off x="2933511" y="3279904"/>
-            <a:ext cx="12476332" cy="1971309"/>
-          </a:xfrm>
-          <a:prstGeom prst="rect">
-            <a:avLst/>
-          </a:prstGeom>
-          <a:noFill/>
-          <a:ln>
-            <a:noFill/>
-          </a:ln>
-        </p:spPr>
-        <p:txBody>
-          <a:bodyPr spcFirstLastPara="1" wrap="square" lIns="0" tIns="0" rIns="0" bIns="0" anchor="t" anchorCtr="0">
-            <a:spAutoFit/>
-          </a:bodyPr>
-          <a:lstStyle/>
-          <a:p>
-            <a:pPr marL="0" marR="0" lvl="0" indent="0" algn="ctr" rtl="0">
-              <a:lnSpc>
-                <a:spcPct val="250000"/>
-              </a:lnSpc>
-              <a:spcBef>
-                <a:spcPts val="0"/>
-              </a:spcBef>
-              <a:spcAft>
-                <a:spcPts val="0"/>
-              </a:spcAft>
-              <a:buNone/>
-            </a:pPr>
-            <a:endParaRPr sz="7200" b="1">
-              <a:solidFill>
-                <a:srgbClr val="404040"/>
-              </a:solidFill>
-              <a:latin typeface="Questrial"/>
-              <a:ea typeface="Questrial"/>
-              <a:cs typeface="Questrial"/>
-              <a:sym typeface="Questrial"/>
-            </a:endParaRPr>
-          </a:p>
-        </p:txBody>
-      </p:sp>
-      <p:sp>
-        <p:nvSpPr>
-          <p:cNvPr id="213" name="Google Shape;213;p22"/>
-          <p:cNvSpPr txBox="1"/>
-          <p:nvPr/>
-        </p:nvSpPr>
-        <p:spPr>
-          <a:xfrm>
-            <a:off x="4579513" y="5181600"/>
-            <a:ext cx="9128975" cy="998991"/>
-          </a:xfrm>
-          <a:prstGeom prst="rect">
-            <a:avLst/>
-          </a:prstGeom>
-          <a:noFill/>
-          <a:ln>
-            <a:noFill/>
-          </a:ln>
-        </p:spPr>
-        <p:txBody>
-          <a:bodyPr spcFirstLastPara="1" wrap="square" lIns="0" tIns="0" rIns="0" bIns="0" anchor="t" anchorCtr="0">
-            <a:spAutoFit/>
-          </a:bodyPr>
-          <a:lstStyle/>
-          <a:p>
-            <a:pPr marL="0" marR="0" lvl="0" indent="0" algn="ctr" rtl="0">
-              <a:lnSpc>
-                <a:spcPct val="224974"/>
-              </a:lnSpc>
-              <a:spcBef>
-                <a:spcPts val="0"/>
-              </a:spcBef>
-              <a:spcAft>
-                <a:spcPts val="0"/>
-              </a:spcAft>
-              <a:buNone/>
-            </a:pPr>
-            <a:endParaRPr sz="4000" b="1" i="1">
-              <a:solidFill>
-                <a:srgbClr val="404040"/>
-              </a:solidFill>
-              <a:latin typeface="Questrial"/>
-              <a:ea typeface="Questrial"/>
-              <a:cs typeface="Questrial"/>
-              <a:sym typeface="Questrial"/>
-            </a:endParaRPr>
-          </a:p>
-        </p:txBody>
-      </p:sp>
-      <p:sp>
-        <p:nvSpPr>
           <p:cNvPr id="214" name="Google Shape;214;p22"/>
           <p:cNvSpPr txBox="1"/>
           <p:nvPr/>
@@ -15180,14 +15324,16 @@
       </p:sp>
       <p:sp>
         <p:nvSpPr>
-          <p:cNvPr id="215" name="Google Shape;215;p22"/>
-          <p:cNvSpPr txBox="1"/>
+          <p:cNvPr id="2" name="Rectangle 1"/>
+          <p:cNvSpPr>
+            <a:spLocks noChangeArrowheads="1"/>
+          </p:cNvSpPr>
           <p:nvPr/>
         </p:nvSpPr>
-        <p:spPr>
+        <p:spPr bwMode="auto">
           <a:xfrm>
-            <a:off x="1066809" y="2734280"/>
-            <a:ext cx="16383000" cy="4710000"/>
+            <a:off x="951693" y="3250689"/>
+            <a:ext cx="16384614" cy="3970318"/>
           </a:xfrm>
           <a:prstGeom prst="rect">
             <a:avLst/>
@@ -15196,118 +15342,348 @@
           <a:ln>
             <a:noFill/>
           </a:ln>
+          <a:effectLst/>
+          <a:extLst>
+            <a:ext uri="{909E8E84-426E-40DD-AFC4-6F175D3DCCD1}">
+              <a14:hiddenFill xmlns:a14="http://schemas.microsoft.com/office/drawing/2010/main">
+                <a:solidFill>
+                  <a:schemeClr val="accent1"/>
+                </a:solidFill>
+              </a14:hiddenFill>
+            </a:ext>
+            <a:ext uri="{91240B29-F687-4F45-9708-019B960494DF}">
+              <a14:hiddenLine xmlns:a14="http://schemas.microsoft.com/office/drawing/2010/main" w="9525">
+                <a:solidFill>
+                  <a:schemeClr val="tx1"/>
+                </a:solidFill>
+                <a:miter lim="800000"/>
+                <a:headEnd/>
+                <a:tailEnd/>
+              </a14:hiddenLine>
+            </a:ext>
+            <a:ext uri="{AF507438-7753-43E0-B8FC-AC1667EBCBE1}">
+              <a14:hiddenEffects xmlns:a14="http://schemas.microsoft.com/office/drawing/2010/main">
+                <a:effectLst>
+                  <a:outerShdw dist="35921" dir="2700000" algn="ctr" rotWithShape="0">
+                    <a:schemeClr val="bg2"/>
+                  </a:outerShdw>
+                </a:effectLst>
+              </a14:hiddenEffects>
+            </a:ext>
+          </a:extLst>
         </p:spPr>
         <p:txBody>
-          <a:bodyPr spcFirstLastPara="1" wrap="square" lIns="91425" tIns="45700" rIns="91425" bIns="45700" anchor="t" anchorCtr="0">
+          <a:bodyPr vert="horz" wrap="none" lIns="91440" tIns="45720" rIns="91440" bIns="45720" numCol="1" anchor="ctr" anchorCtr="0" compatLnSpc="1">
+            <a:prstTxWarp prst="textNoShape">
+              <a:avLst/>
+            </a:prstTxWarp>
             <a:spAutoFit/>
           </a:bodyPr>
           <a:lstStyle/>
           <a:p>
-            <a:pPr marL="0" marR="0" lvl="0" indent="0" algn="just" rtl="0">
-              <a:spcBef>
-                <a:spcPts val="0"/>
-              </a:spcBef>
-              <a:spcAft>
-                <a:spcPts val="0"/>
-              </a:spcAft>
-              <a:buNone/>
+            <a:pPr marL="0" marR="0" lvl="0" indent="0" algn="l" defTabSz="914400" rtl="0" eaLnBrk="0" fontAlgn="base" latinLnBrk="0" hangingPunct="0">
+              <a:lnSpc>
+                <a:spcPct val="100000"/>
+              </a:lnSpc>
+              <a:spcBef>
+                <a:spcPct val="0"/>
+              </a:spcBef>
+              <a:spcAft>
+                <a:spcPct val="0"/>
+              </a:spcAft>
+              <a:buClrTx/>
+              <a:buSzTx/>
+              <a:buFontTx/>
+              <a:buNone/>
+              <a:tabLst/>
             </a:pPr>
             <a:r>
-              <a:rPr lang="en-US" sz="3000">
+              <a:rPr kumimoji="0" lang="en-US" altLang="en-US" sz="2800" b="0" i="0" u="none" strike="noStrike" cap="none" normalizeH="0" baseline="0" dirty="0" smtClean="0">
+                <a:ln>
+                  <a:noFill/>
+                </a:ln>
                 <a:solidFill>
-                  <a:schemeClr val="dk1"/>
+                  <a:schemeClr val="tx1"/>
                 </a:solidFill>
-                <a:latin typeface="Times New Roman"/>
-                <a:ea typeface="Times New Roman"/>
-                <a:cs typeface="Times New Roman"/>
-                <a:sym typeface="Times New Roman"/>
+                <a:effectLst/>
+                <a:latin typeface="Arial" panose="020B0604020202020204" pitchFamily="34" charset="0"/>
               </a:rPr>
-              <a:t>Cyberbullying, a pervasive issue in the digital age, poses significant threats to individuals, especially adolescents. Traditional methods often struggle to detect subtle forms of cyberbullying.</a:t>
-            </a:r>
-            <a:endParaRPr sz="3000">
-              <a:latin typeface="Times New Roman"/>
-              <a:ea typeface="Times New Roman"/>
-              <a:cs typeface="Times New Roman"/>
-              <a:sym typeface="Times New Roman"/>
-            </a:endParaRPr>
+              <a:t>Cyberbullying, a widespread issue in the digital era, poses severe risks to individuals, </a:t>
+            </a:r>
           </a:p>
           <a:p>
-            <a:pPr marL="0" marR="0" lvl="0" indent="0" algn="just" rtl="0">
-              <a:spcBef>
-                <a:spcPts val="0"/>
-              </a:spcBef>
-              <a:spcAft>
-                <a:spcPts val="0"/>
-              </a:spcAft>
-              <a:buNone/>
+            <a:pPr marL="0" marR="0" lvl="0" indent="0" algn="l" defTabSz="914400" rtl="0" eaLnBrk="0" fontAlgn="base" latinLnBrk="0" hangingPunct="0">
+              <a:lnSpc>
+                <a:spcPct val="100000"/>
+              </a:lnSpc>
+              <a:spcBef>
+                <a:spcPct val="0"/>
+              </a:spcBef>
+              <a:spcAft>
+                <a:spcPct val="0"/>
+              </a:spcAft>
+              <a:buClrTx/>
+              <a:buSzTx/>
+              <a:buFontTx/>
+              <a:buNone/>
+              <a:tabLst/>
             </a:pPr>
             <a:r>
-              <a:rPr lang="en-US" sz="3000">
+              <a:rPr kumimoji="0" lang="en-US" altLang="en-US" sz="2800" b="0" i="0" u="none" strike="noStrike" cap="none" normalizeH="0" baseline="0" dirty="0" smtClean="0">
+                <a:ln>
+                  <a:noFill/>
+                </a:ln>
                 <a:solidFill>
-                  <a:schemeClr val="dk1"/>
+                  <a:schemeClr val="tx1"/>
                 </a:solidFill>
-                <a:latin typeface="Times New Roman"/>
-                <a:ea typeface="Times New Roman"/>
-                <a:cs typeface="Times New Roman"/>
-                <a:sym typeface="Times New Roman"/>
+                <a:effectLst/>
+                <a:latin typeface="Arial" panose="020B0604020202020204" pitchFamily="34" charset="0"/>
               </a:rPr>
-              <a:t>Deep learning, particularly Recurrent Neural Networks (RNNs) and hybrid models combining RNNs and Convolutional Neural Networks (CNNs), offer a promising solution. RNNs effectively capture long-term dependencies within text, while CNNs extract local features. These hybrid models can accurately identify cyberbullying patterns, even in complex and evolving online interactions.</a:t>
-            </a:r>
-            <a:endParaRPr sz="3000">
-              <a:latin typeface="Times New Roman"/>
-              <a:ea typeface="Times New Roman"/>
-              <a:cs typeface="Times New Roman"/>
-              <a:sym typeface="Times New Roman"/>
-            </a:endParaRPr>
+              <a:t>particularly adolescents. Traditional approaches often fail to identify the nuanced and subtle</a:t>
+            </a:r>
           </a:p>
           <a:p>
-            <a:pPr marL="0" marR="0" lvl="0" indent="0" algn="just" rtl="0">
-              <a:spcBef>
-                <a:spcPts val="0"/>
-              </a:spcBef>
-              <a:spcAft>
-                <a:spcPts val="0"/>
-              </a:spcAft>
-              <a:buNone/>
+            <a:pPr marL="0" marR="0" lvl="0" indent="0" algn="l" defTabSz="914400" rtl="0" eaLnBrk="0" fontAlgn="base" latinLnBrk="0" hangingPunct="0">
+              <a:lnSpc>
+                <a:spcPct val="100000"/>
+              </a:lnSpc>
+              <a:spcBef>
+                <a:spcPct val="0"/>
+              </a:spcBef>
+              <a:spcAft>
+                <a:spcPct val="0"/>
+              </a:spcAft>
+              <a:buClrTx/>
+              <a:buSzTx/>
+              <a:buFontTx/>
+              <a:buNone/>
+              <a:tabLst/>
             </a:pPr>
             <a:r>
-              <a:rPr lang="en-US" sz="3000">
+              <a:rPr kumimoji="0" lang="en-US" altLang="en-US" sz="2800" b="0" i="0" u="none" strike="noStrike" cap="none" normalizeH="0" baseline="0" dirty="0" smtClean="0">
+                <a:ln>
+                  <a:noFill/>
+                </a:ln>
                 <a:solidFill>
-                  <a:schemeClr val="dk1"/>
+                  <a:schemeClr val="tx1"/>
                 </a:solidFill>
-                <a:latin typeface="Times New Roman"/>
-                <a:ea typeface="Times New Roman"/>
-                <a:cs typeface="Times New Roman"/>
-                <a:sym typeface="Times New Roman"/>
+                <a:effectLst/>
+                <a:latin typeface="Arial" panose="020B0604020202020204" pitchFamily="34" charset="0"/>
               </a:rPr>
-              <a:t>By training these models on large datasets and fine-tuning their hyperparameters, we can achieve state-of-the-art performance in cyberbullying detection. This enables us to create safer online environments and protect individuals from the harmful effects of cyberbullying.</a:t>
-            </a:r>
-            <a:endParaRPr sz="3000">
-              <a:latin typeface="Times New Roman"/>
-              <a:ea typeface="Times New Roman"/>
-              <a:cs typeface="Times New Roman"/>
-              <a:sym typeface="Times New Roman"/>
-            </a:endParaRPr>
+              <a:t>forms of cyberbullying. Deep learning techniques, especially Recurrent Neural Networks (RNNs) </a:t>
+            </a:r>
           </a:p>
           <a:p>
-            <a:pPr marL="0" marR="0" lvl="0" indent="0" algn="just" rtl="0">
-              <a:spcBef>
-                <a:spcPts val="0"/>
-              </a:spcBef>
-              <a:spcAft>
-                <a:spcPts val="0"/>
-              </a:spcAft>
-              <a:buNone/>
+            <a:pPr marL="0" marR="0" lvl="0" indent="0" algn="l" defTabSz="914400" rtl="0" eaLnBrk="0" fontAlgn="base" latinLnBrk="0" hangingPunct="0">
+              <a:lnSpc>
+                <a:spcPct val="100000"/>
+              </a:lnSpc>
+              <a:spcBef>
+                <a:spcPct val="0"/>
+              </a:spcBef>
+              <a:spcAft>
+                <a:spcPct val="0"/>
+              </a:spcAft>
+              <a:buClrTx/>
+              <a:buSzTx/>
+              <a:buFontTx/>
+              <a:buNone/>
+              <a:tabLst/>
             </a:pPr>
-            <a:endParaRPr sz="3000">
-              <a:solidFill>
-                <a:schemeClr val="dk1"/>
-              </a:solidFill>
-              <a:latin typeface="Times New Roman"/>
-              <a:ea typeface="Times New Roman"/>
-              <a:cs typeface="Times New Roman"/>
-              <a:sym typeface="Times New Roman"/>
-            </a:endParaRPr>
+            <a:r>
+              <a:rPr kumimoji="0" lang="en-US" altLang="en-US" sz="2800" b="0" i="0" u="none" strike="noStrike" cap="none" normalizeH="0" baseline="0" dirty="0" smtClean="0">
+                <a:ln>
+                  <a:noFill/>
+                </a:ln>
+                <a:solidFill>
+                  <a:schemeClr val="tx1"/>
+                </a:solidFill>
+                <a:effectLst/>
+                <a:latin typeface="Arial" panose="020B0604020202020204" pitchFamily="34" charset="0"/>
+              </a:rPr>
+              <a:t>and advanced Long Short-Term Memory (LSTM) models, present an effective solution. RNNs,</a:t>
+            </a:r>
+          </a:p>
+          <a:p>
+            <a:pPr marL="0" marR="0" lvl="0" indent="0" algn="l" defTabSz="914400" rtl="0" eaLnBrk="0" fontAlgn="base" latinLnBrk="0" hangingPunct="0">
+              <a:lnSpc>
+                <a:spcPct val="100000"/>
+              </a:lnSpc>
+              <a:spcBef>
+                <a:spcPct val="0"/>
+              </a:spcBef>
+              <a:spcAft>
+                <a:spcPct val="0"/>
+              </a:spcAft>
+              <a:buClrTx/>
+              <a:buSzTx/>
+              <a:buFontTx/>
+              <a:buNone/>
+              <a:tabLst/>
+            </a:pPr>
+            <a:r>
+              <a:rPr kumimoji="0" lang="en-US" altLang="en-US" sz="2800" b="0" i="0" u="none" strike="noStrike" cap="none" normalizeH="0" baseline="0" dirty="0" smtClean="0">
+                <a:ln>
+                  <a:noFill/>
+                </a:ln>
+                <a:solidFill>
+                  <a:schemeClr val="tx1"/>
+                </a:solidFill>
+                <a:effectLst/>
+                <a:latin typeface="Arial" panose="020B0604020202020204" pitchFamily="34" charset="0"/>
+              </a:rPr>
+              <a:t>including LSTMs, excel at capturing long-term dependencies and contextual relationships </a:t>
+            </a:r>
+          </a:p>
+          <a:p>
+            <a:pPr marL="0" marR="0" lvl="0" indent="0" algn="l" defTabSz="914400" rtl="0" eaLnBrk="0" fontAlgn="base" latinLnBrk="0" hangingPunct="0">
+              <a:lnSpc>
+                <a:spcPct val="100000"/>
+              </a:lnSpc>
+              <a:spcBef>
+                <a:spcPct val="0"/>
+              </a:spcBef>
+              <a:spcAft>
+                <a:spcPct val="0"/>
+              </a:spcAft>
+              <a:buClrTx/>
+              <a:buSzTx/>
+              <a:buFontTx/>
+              <a:buNone/>
+              <a:tabLst/>
+            </a:pPr>
+            <a:r>
+              <a:rPr kumimoji="0" lang="en-US" altLang="en-US" sz="2800" b="0" i="0" u="none" strike="noStrike" cap="none" normalizeH="0" baseline="0" dirty="0" smtClean="0">
+                <a:ln>
+                  <a:noFill/>
+                </a:ln>
+                <a:solidFill>
+                  <a:schemeClr val="tx1"/>
+                </a:solidFill>
+                <a:effectLst/>
+                <a:latin typeface="Arial" panose="020B0604020202020204" pitchFamily="34" charset="0"/>
+              </a:rPr>
+              <a:t>within text data. These models can accurately detect patterns of cyberbullying, even in complex </a:t>
+            </a:r>
+          </a:p>
+          <a:p>
+            <a:pPr marL="0" marR="0" lvl="0" indent="0" algn="l" defTabSz="914400" rtl="0" eaLnBrk="0" fontAlgn="base" latinLnBrk="0" hangingPunct="0">
+              <a:lnSpc>
+                <a:spcPct val="100000"/>
+              </a:lnSpc>
+              <a:spcBef>
+                <a:spcPct val="0"/>
+              </a:spcBef>
+              <a:spcAft>
+                <a:spcPct val="0"/>
+              </a:spcAft>
+              <a:buClrTx/>
+              <a:buSzTx/>
+              <a:buFontTx/>
+              <a:buNone/>
+              <a:tabLst/>
+            </a:pPr>
+            <a:r>
+              <a:rPr kumimoji="0" lang="en-US" altLang="en-US" sz="2800" b="0" i="0" u="none" strike="noStrike" cap="none" normalizeH="0" baseline="0" dirty="0" smtClean="0">
+                <a:ln>
+                  <a:noFill/>
+                </a:ln>
+                <a:solidFill>
+                  <a:schemeClr val="tx1"/>
+                </a:solidFill>
+                <a:effectLst/>
+                <a:latin typeface="Arial" panose="020B0604020202020204" pitchFamily="34" charset="0"/>
+              </a:rPr>
+              <a:t>and constantly changing online interactions. By training these models on large datasets and optimizing</a:t>
+            </a:r>
+          </a:p>
+          <a:p>
+            <a:pPr marL="0" marR="0" lvl="0" indent="0" algn="l" defTabSz="914400" rtl="0" eaLnBrk="0" fontAlgn="base" latinLnBrk="0" hangingPunct="0">
+              <a:lnSpc>
+                <a:spcPct val="100000"/>
+              </a:lnSpc>
+              <a:spcBef>
+                <a:spcPct val="0"/>
+              </a:spcBef>
+              <a:spcAft>
+                <a:spcPct val="0"/>
+              </a:spcAft>
+              <a:buClrTx/>
+              <a:buSzTx/>
+              <a:buFontTx/>
+              <a:buNone/>
+              <a:tabLst/>
+            </a:pPr>
+            <a:r>
+              <a:rPr kumimoji="0" lang="en-US" altLang="en-US" sz="2800" b="0" i="0" u="none" strike="noStrike" cap="none" normalizeH="0" baseline="0" dirty="0" smtClean="0">
+                <a:ln>
+                  <a:noFill/>
+                </a:ln>
+                <a:solidFill>
+                  <a:schemeClr val="tx1"/>
+                </a:solidFill>
+                <a:effectLst/>
+                <a:latin typeface="Arial" panose="020B0604020202020204" pitchFamily="34" charset="0"/>
+              </a:rPr>
+              <a:t>their </a:t>
+            </a:r>
+            <a:r>
+              <a:rPr kumimoji="0" lang="en-US" altLang="en-US" sz="2800" b="0" i="0" u="none" strike="noStrike" cap="none" normalizeH="0" baseline="0" dirty="0" err="1" smtClean="0">
+                <a:ln>
+                  <a:noFill/>
+                </a:ln>
+                <a:solidFill>
+                  <a:schemeClr val="tx1"/>
+                </a:solidFill>
+                <a:effectLst/>
+                <a:latin typeface="Arial" panose="020B0604020202020204" pitchFamily="34" charset="0"/>
+              </a:rPr>
+              <a:t>hyperparameters</a:t>
+            </a:r>
+            <a:r>
+              <a:rPr kumimoji="0" lang="en-US" altLang="en-US" sz="2800" b="0" i="0" u="none" strike="noStrike" cap="none" normalizeH="0" baseline="0" dirty="0" smtClean="0">
+                <a:ln>
+                  <a:noFill/>
+                </a:ln>
+                <a:solidFill>
+                  <a:schemeClr val="tx1"/>
+                </a:solidFill>
+                <a:effectLst/>
+                <a:latin typeface="Arial" panose="020B0604020202020204" pitchFamily="34" charset="0"/>
+              </a:rPr>
+              <a:t>, we can achieve cutting-edge results in cyberbullying detection. This progress</a:t>
+            </a:r>
+          </a:p>
+          <a:p>
+            <a:pPr marL="0" marR="0" lvl="0" indent="0" algn="l" defTabSz="914400" rtl="0" eaLnBrk="0" fontAlgn="base" latinLnBrk="0" hangingPunct="0">
+              <a:lnSpc>
+                <a:spcPct val="100000"/>
+              </a:lnSpc>
+              <a:spcBef>
+                <a:spcPct val="0"/>
+              </a:spcBef>
+              <a:spcAft>
+                <a:spcPct val="0"/>
+              </a:spcAft>
+              <a:buClrTx/>
+              <a:buSzTx/>
+              <a:buFontTx/>
+              <a:buNone/>
+              <a:tabLst/>
+            </a:pPr>
+            <a:r>
+              <a:rPr kumimoji="0" lang="en-US" altLang="en-US" sz="2800" b="0" i="0" u="none" strike="noStrike" cap="none" normalizeH="0" baseline="0" dirty="0" smtClean="0">
+                <a:ln>
+                  <a:noFill/>
+                </a:ln>
+                <a:solidFill>
+                  <a:schemeClr val="tx1"/>
+                </a:solidFill>
+                <a:effectLst/>
+                <a:latin typeface="Arial" panose="020B0604020202020204" pitchFamily="34" charset="0"/>
+              </a:rPr>
+              <a:t>helps build safer digital spaces, protecting individuals from the damaging impacts of cyberbullying.</a:t>
+            </a:r>
           </a:p>
         </p:txBody>
       </p:sp>
@@ -16166,55 +16542,6 @@
       </p:sp>
       <p:sp>
         <p:nvSpPr>
-          <p:cNvPr id="107" name="Google Shape;107;p14"/>
-          <p:cNvSpPr txBox="1"/>
-          <p:nvPr/>
-        </p:nvSpPr>
-        <p:spPr>
-          <a:xfrm>
-            <a:off x="2933511" y="3279904"/>
-            <a:ext cx="12476332" cy="1971309"/>
-          </a:xfrm>
-          <a:prstGeom prst="rect">
-            <a:avLst/>
-          </a:prstGeom>
-          <a:noFill/>
-          <a:ln>
-            <a:noFill/>
-          </a:ln>
-        </p:spPr>
-        <p:txBody>
-          <a:bodyPr spcFirstLastPara="1" wrap="square" lIns="0" tIns="0" rIns="0" bIns="0" anchor="t" anchorCtr="0">
-            <a:spAutoFit/>
-          </a:bodyPr>
-          <a:lstStyle/>
-          <a:p>
-            <a:pPr marL="0" marR="0" lvl="0" indent="0" algn="ctr" rtl="0">
-              <a:lnSpc>
-                <a:spcPct val="250000"/>
-              </a:lnSpc>
-              <a:spcBef>
-                <a:spcPts val="0"/>
-              </a:spcBef>
-              <a:spcAft>
-                <a:spcPts val="0"/>
-              </a:spcAft>
-              <a:buNone/>
-            </a:pPr>
-            <a:endParaRPr sz="7200" b="1" i="0" u="none" strike="noStrike" cap="none">
-              <a:solidFill>
-                <a:srgbClr val="404040"/>
-              </a:solidFill>
-              <a:latin typeface="Questrial"/>
-              <a:ea typeface="Questrial"/>
-              <a:cs typeface="Questrial"/>
-              <a:sym typeface="Questrial"/>
-            </a:endParaRPr>
-          </a:p>
-        </p:txBody>
-      </p:sp>
-      <p:sp>
-        <p:nvSpPr>
           <p:cNvPr id="108" name="Google Shape;108;p14"/>
           <p:cNvSpPr txBox="1"/>
           <p:nvPr/>
@@ -16270,7 +16597,7 @@
         </p:nvSpPr>
         <p:spPr>
           <a:xfrm>
-            <a:off x="1143000" y="1740330"/>
+            <a:off x="1226127" y="1245276"/>
             <a:ext cx="15357764" cy="1200600"/>
           </a:xfrm>
           <a:prstGeom prst="rect">
@@ -16331,14 +16658,16 @@
       </p:sp>
       <p:sp>
         <p:nvSpPr>
-          <p:cNvPr id="110" name="Google Shape;110;p14"/>
-          <p:cNvSpPr txBox="1"/>
+          <p:cNvPr id="6" name="Rectangle 4"/>
+          <p:cNvSpPr>
+            <a:spLocks noChangeArrowheads="1"/>
+          </p:cNvSpPr>
           <p:nvPr/>
         </p:nvSpPr>
-        <p:spPr>
+        <p:spPr bwMode="auto">
           <a:xfrm>
-            <a:off x="1143000" y="3279900"/>
-            <a:ext cx="16002000" cy="3324600"/>
+            <a:off x="1031042" y="3171491"/>
+            <a:ext cx="16419880" cy="4524315"/>
           </a:xfrm>
           <a:prstGeom prst="rect">
             <a:avLst/>
@@ -16347,43 +16676,322 @@
           <a:ln>
             <a:noFill/>
           </a:ln>
+          <a:effectLst/>
+          <a:extLst>
+            <a:ext uri="{909E8E84-426E-40DD-AFC4-6F175D3DCCD1}">
+              <a14:hiddenFill xmlns:a14="http://schemas.microsoft.com/office/drawing/2010/main">
+                <a:solidFill>
+                  <a:schemeClr val="accent1"/>
+                </a:solidFill>
+              </a14:hiddenFill>
+            </a:ext>
+            <a:ext uri="{91240B29-F687-4F45-9708-019B960494DF}">
+              <a14:hiddenLine xmlns:a14="http://schemas.microsoft.com/office/drawing/2010/main" w="9525">
+                <a:solidFill>
+                  <a:schemeClr val="tx1"/>
+                </a:solidFill>
+                <a:miter lim="800000"/>
+                <a:headEnd/>
+                <a:tailEnd/>
+              </a14:hiddenLine>
+            </a:ext>
+            <a:ext uri="{AF507438-7753-43E0-B8FC-AC1667EBCBE1}">
+              <a14:hiddenEffects xmlns:a14="http://schemas.microsoft.com/office/drawing/2010/main">
+                <a:effectLst>
+                  <a:outerShdw dist="35921" dir="2700000" algn="ctr" rotWithShape="0">
+                    <a:schemeClr val="bg2"/>
+                  </a:outerShdw>
+                </a:effectLst>
+              </a14:hiddenEffects>
+            </a:ext>
+          </a:extLst>
         </p:spPr>
         <p:txBody>
-          <a:bodyPr spcFirstLastPara="1" wrap="square" lIns="91425" tIns="45700" rIns="91425" bIns="45700" anchor="t" anchorCtr="0">
+          <a:bodyPr vert="horz" wrap="none" lIns="91440" tIns="45720" rIns="91440" bIns="45720" numCol="1" anchor="ctr" anchorCtr="0" compatLnSpc="1">
+            <a:prstTxWarp prst="textNoShape">
+              <a:avLst/>
+            </a:prstTxWarp>
             <a:spAutoFit/>
           </a:bodyPr>
           <a:lstStyle/>
           <a:p>
-            <a:pPr marL="0" marR="0" lvl="0" indent="0" algn="l" rtl="0">
-              <a:spcBef>
-                <a:spcPts val="0"/>
-              </a:spcBef>
-              <a:spcAft>
-                <a:spcPts val="0"/>
-              </a:spcAft>
-              <a:buNone/>
+            <a:pPr marL="0" marR="0" lvl="0" indent="0" algn="just" defTabSz="914400" rtl="0" eaLnBrk="0" fontAlgn="base" latinLnBrk="0" hangingPunct="0">
+              <a:lnSpc>
+                <a:spcPct val="100000"/>
+              </a:lnSpc>
+              <a:spcBef>
+                <a:spcPct val="0"/>
+              </a:spcBef>
+              <a:spcAft>
+                <a:spcPct val="0"/>
+              </a:spcAft>
+              <a:buClrTx/>
+              <a:buSzTx/>
+              <a:buFontTx/>
+              <a:buNone/>
+              <a:tabLst/>
             </a:pPr>
             <a:r>
-              <a:rPr lang="en-US" sz="3000">
+              <a:rPr kumimoji="0" lang="en-US" altLang="en-US" sz="3200" b="0" i="0" u="none" strike="noStrike" cap="none" normalizeH="0" baseline="0" dirty="0" smtClean="0">
+                <a:ln>
+                  <a:noFill/>
+                </a:ln>
                 <a:solidFill>
-                  <a:schemeClr val="dk1"/>
+                  <a:schemeClr val="tx1"/>
                 </a:solidFill>
-                <a:latin typeface="Times New Roman"/>
-                <a:ea typeface="Times New Roman"/>
-                <a:cs typeface="Times New Roman"/>
-                <a:sym typeface="Times New Roman"/>
+                <a:effectLst/>
+                <a:latin typeface="Arial" panose="020B0604020202020204" pitchFamily="34" charset="0"/>
               </a:rPr>
-              <a:t>Cyberbullying is a serious issue that can have devastating effects on victims. Traditional methods of detection often fall short, especially when dealing with subtle forms of cyberbullying. Deep learning techniques, such as Recurrent Neural Networks (RNNs) and hybrid models combining RNNs and Convolutional Neural Networks (CNNs), offer a promising solution. These models can analyze text data, identify patterns, and accurately classify content as cyberbullying or non-cyberbullying. By leveraging the power of deep learning, we can create safer online environments and protect individuals from the harmful effects of cyberbullying.</a:t>
-            </a:r>
-            <a:endParaRPr sz="3000">
-              <a:solidFill>
-                <a:schemeClr val="dk1"/>
-              </a:solidFill>
-              <a:latin typeface="Times New Roman"/>
-              <a:ea typeface="Times New Roman"/>
-              <a:cs typeface="Times New Roman"/>
-              <a:sym typeface="Times New Roman"/>
-            </a:endParaRPr>
+              <a:t>Cyberbullying is a pressing issue in today's digital landscape, with subtle </a:t>
+            </a:r>
+          </a:p>
+          <a:p>
+            <a:pPr marL="0" marR="0" lvl="0" indent="0" algn="just" defTabSz="914400" rtl="0" eaLnBrk="0" fontAlgn="base" latinLnBrk="0" hangingPunct="0">
+              <a:lnSpc>
+                <a:spcPct val="100000"/>
+              </a:lnSpc>
+              <a:spcBef>
+                <a:spcPct val="0"/>
+              </a:spcBef>
+              <a:spcAft>
+                <a:spcPct val="0"/>
+              </a:spcAft>
+              <a:buClrTx/>
+              <a:buSzTx/>
+              <a:buFontTx/>
+              <a:buNone/>
+              <a:tabLst/>
+            </a:pPr>
+            <a:r>
+              <a:rPr kumimoji="0" lang="en-US" altLang="en-US" sz="3200" b="0" i="0" u="none" strike="noStrike" cap="none" normalizeH="0" baseline="0" dirty="0" smtClean="0">
+                <a:ln>
+                  <a:noFill/>
+                </a:ln>
+                <a:solidFill>
+                  <a:schemeClr val="tx1"/>
+                </a:solidFill>
+                <a:effectLst/>
+                <a:latin typeface="Arial" panose="020B0604020202020204" pitchFamily="34" charset="0"/>
+              </a:rPr>
+              <a:t>and context-dependent language often making detection challenging. </a:t>
+            </a:r>
+          </a:p>
+          <a:p>
+            <a:pPr marL="0" marR="0" lvl="0" indent="0" algn="just" defTabSz="914400" rtl="0" eaLnBrk="0" fontAlgn="base" latinLnBrk="0" hangingPunct="0">
+              <a:lnSpc>
+                <a:spcPct val="100000"/>
+              </a:lnSpc>
+              <a:spcBef>
+                <a:spcPct val="0"/>
+              </a:spcBef>
+              <a:spcAft>
+                <a:spcPct val="0"/>
+              </a:spcAft>
+              <a:buClrTx/>
+              <a:buSzTx/>
+              <a:buFontTx/>
+              <a:buNone/>
+              <a:tabLst/>
+            </a:pPr>
+            <a:r>
+              <a:rPr kumimoji="0" lang="en-US" altLang="en-US" sz="3200" b="0" i="0" u="none" strike="noStrike" cap="none" normalizeH="0" baseline="0" dirty="0" smtClean="0">
+                <a:ln>
+                  <a:noFill/>
+                </a:ln>
+                <a:solidFill>
+                  <a:schemeClr val="tx1"/>
+                </a:solidFill>
+                <a:effectLst/>
+                <a:latin typeface="Arial" panose="020B0604020202020204" pitchFamily="34" charset="0"/>
+              </a:rPr>
+              <a:t>Traditional approaches frequently fall short in identifying nuanced patterns in online</a:t>
+            </a:r>
+          </a:p>
+          <a:p>
+            <a:pPr marL="0" marR="0" lvl="0" indent="0" algn="just" defTabSz="914400" rtl="0" eaLnBrk="0" fontAlgn="base" latinLnBrk="0" hangingPunct="0">
+              <a:lnSpc>
+                <a:spcPct val="100000"/>
+              </a:lnSpc>
+              <a:spcBef>
+                <a:spcPct val="0"/>
+              </a:spcBef>
+              <a:spcAft>
+                <a:spcPct val="0"/>
+              </a:spcAft>
+              <a:buClrTx/>
+              <a:buSzTx/>
+              <a:buFontTx/>
+              <a:buNone/>
+              <a:tabLst/>
+            </a:pPr>
+            <a:r>
+              <a:rPr kumimoji="0" lang="en-US" altLang="en-US" sz="3200" b="0" i="0" u="none" strike="noStrike" cap="none" normalizeH="0" baseline="0" dirty="0" smtClean="0">
+                <a:ln>
+                  <a:noFill/>
+                </a:ln>
+                <a:solidFill>
+                  <a:schemeClr val="tx1"/>
+                </a:solidFill>
+                <a:effectLst/>
+                <a:latin typeface="Arial" panose="020B0604020202020204" pitchFamily="34" charset="0"/>
+              </a:rPr>
+              <a:t>interactions. Deep learning techniques, such as Recurrent Neural Networks (RNNs) </a:t>
+            </a:r>
+          </a:p>
+          <a:p>
+            <a:pPr marL="0" marR="0" lvl="0" indent="0" algn="just" defTabSz="914400" rtl="0" eaLnBrk="0" fontAlgn="base" latinLnBrk="0" hangingPunct="0">
+              <a:lnSpc>
+                <a:spcPct val="100000"/>
+              </a:lnSpc>
+              <a:spcBef>
+                <a:spcPct val="0"/>
+              </a:spcBef>
+              <a:spcAft>
+                <a:spcPct val="0"/>
+              </a:spcAft>
+              <a:buClrTx/>
+              <a:buSzTx/>
+              <a:buFontTx/>
+              <a:buNone/>
+              <a:tabLst/>
+            </a:pPr>
+            <a:r>
+              <a:rPr kumimoji="0" lang="en-US" altLang="en-US" sz="3200" b="0" i="0" u="none" strike="noStrike" cap="none" normalizeH="0" baseline="0" dirty="0" smtClean="0">
+                <a:ln>
+                  <a:noFill/>
+                </a:ln>
+                <a:solidFill>
+                  <a:schemeClr val="tx1"/>
+                </a:solidFill>
+                <a:effectLst/>
+                <a:latin typeface="Arial" panose="020B0604020202020204" pitchFamily="34" charset="0"/>
+              </a:rPr>
+              <a:t>and advanced Long Short-Term Memory (LSTM) models, offer a powerful solution. </a:t>
+            </a:r>
+          </a:p>
+          <a:p>
+            <a:pPr marL="0" marR="0" lvl="0" indent="0" algn="just" defTabSz="914400" rtl="0" eaLnBrk="0" fontAlgn="base" latinLnBrk="0" hangingPunct="0">
+              <a:lnSpc>
+                <a:spcPct val="100000"/>
+              </a:lnSpc>
+              <a:spcBef>
+                <a:spcPct val="0"/>
+              </a:spcBef>
+              <a:spcAft>
+                <a:spcPct val="0"/>
+              </a:spcAft>
+              <a:buClrTx/>
+              <a:buSzTx/>
+              <a:buFontTx/>
+              <a:buNone/>
+              <a:tabLst/>
+            </a:pPr>
+            <a:r>
+              <a:rPr kumimoji="0" lang="en-US" altLang="en-US" sz="3200" b="0" i="0" u="none" strike="noStrike" cap="none" normalizeH="0" baseline="0" dirty="0" smtClean="0">
+                <a:ln>
+                  <a:noFill/>
+                </a:ln>
+                <a:solidFill>
+                  <a:schemeClr val="tx1"/>
+                </a:solidFill>
+                <a:effectLst/>
+                <a:latin typeface="Arial" panose="020B0604020202020204" pitchFamily="34" charset="0"/>
+              </a:rPr>
+              <a:t>These models are designed to process sequential data effectively, capturing the complex </a:t>
+            </a:r>
+          </a:p>
+          <a:p>
+            <a:pPr marL="0" marR="0" lvl="0" indent="0" algn="just" defTabSz="914400" rtl="0" eaLnBrk="0" fontAlgn="base" latinLnBrk="0" hangingPunct="0">
+              <a:lnSpc>
+                <a:spcPct val="100000"/>
+              </a:lnSpc>
+              <a:spcBef>
+                <a:spcPct val="0"/>
+              </a:spcBef>
+              <a:spcAft>
+                <a:spcPct val="0"/>
+              </a:spcAft>
+              <a:buClrTx/>
+              <a:buSzTx/>
+              <a:buFontTx/>
+              <a:buNone/>
+              <a:tabLst/>
+            </a:pPr>
+            <a:r>
+              <a:rPr kumimoji="0" lang="en-US" altLang="en-US" sz="3200" b="0" i="0" u="none" strike="noStrike" cap="none" normalizeH="0" baseline="0" dirty="0" smtClean="0">
+                <a:ln>
+                  <a:noFill/>
+                </a:ln>
+                <a:solidFill>
+                  <a:schemeClr val="tx1"/>
+                </a:solidFill>
+                <a:effectLst/>
+                <a:latin typeface="Arial" panose="020B0604020202020204" pitchFamily="34" charset="0"/>
+              </a:rPr>
+              <a:t>relationships and context within text to accurately classify content as cyberbullying or </a:t>
+            </a:r>
+          </a:p>
+          <a:p>
+            <a:pPr marL="0" marR="0" lvl="0" indent="0" algn="just" defTabSz="914400" rtl="0" eaLnBrk="0" fontAlgn="base" latinLnBrk="0" hangingPunct="0">
+              <a:lnSpc>
+                <a:spcPct val="100000"/>
+              </a:lnSpc>
+              <a:spcBef>
+                <a:spcPct val="0"/>
+              </a:spcBef>
+              <a:spcAft>
+                <a:spcPct val="0"/>
+              </a:spcAft>
+              <a:buClrTx/>
+              <a:buSzTx/>
+              <a:buFontTx/>
+              <a:buNone/>
+              <a:tabLst/>
+            </a:pPr>
+            <a:r>
+              <a:rPr kumimoji="0" lang="en-US" altLang="en-US" sz="3200" b="0" i="0" u="none" strike="noStrike" cap="none" normalizeH="0" baseline="0" dirty="0" smtClean="0">
+                <a:ln>
+                  <a:noFill/>
+                </a:ln>
+                <a:solidFill>
+                  <a:schemeClr val="tx1"/>
+                </a:solidFill>
+                <a:effectLst/>
+                <a:latin typeface="Arial" panose="020B0604020202020204" pitchFamily="34" charset="0"/>
+              </a:rPr>
+              <a:t>non-cyberbullying. By leveraging these techniques, we can develop more precise</a:t>
+            </a:r>
+          </a:p>
+          <a:p>
+            <a:pPr marL="0" marR="0" lvl="0" indent="0" algn="just" defTabSz="914400" rtl="0" eaLnBrk="0" fontAlgn="base" latinLnBrk="0" hangingPunct="0">
+              <a:lnSpc>
+                <a:spcPct val="100000"/>
+              </a:lnSpc>
+              <a:spcBef>
+                <a:spcPct val="0"/>
+              </a:spcBef>
+              <a:spcAft>
+                <a:spcPct val="0"/>
+              </a:spcAft>
+              <a:buClrTx/>
+              <a:buSzTx/>
+              <a:buFontTx/>
+              <a:buNone/>
+              <a:tabLst/>
+            </a:pPr>
+            <a:r>
+              <a:rPr kumimoji="0" lang="en-US" altLang="en-US" sz="3200" b="0" i="0" u="none" strike="noStrike" cap="none" normalizeH="0" baseline="0" dirty="0" smtClean="0">
+                <a:ln>
+                  <a:noFill/>
+                </a:ln>
+                <a:solidFill>
+                  <a:schemeClr val="tx1"/>
+                </a:solidFill>
+                <a:effectLst/>
+                <a:latin typeface="Arial" panose="020B0604020202020204" pitchFamily="34" charset="0"/>
+              </a:rPr>
+              <a:t>detection systems to promote safer and more supportive online environments.</a:t>
+            </a:r>
           </a:p>
         </p:txBody>
       </p:sp>
@@ -19494,124 +20102,9 @@
           <a:chExt cx="0" cy="0"/>
         </a:xfrm>
       </p:grpSpPr>
-      <p:grpSp>
-        <p:nvGrpSpPr>
-          <p:cNvPr id="189" name="Google Shape;189;p21"/>
-          <p:cNvGrpSpPr/>
-          <p:nvPr/>
-        </p:nvGrpSpPr>
-        <p:grpSpPr>
-          <a:xfrm>
-            <a:off x="500062" y="568675"/>
-            <a:ext cx="17135475" cy="9256578"/>
-            <a:chOff x="0" y="-28575"/>
-            <a:chExt cx="4513047" cy="2437946"/>
-          </a:xfrm>
-        </p:grpSpPr>
-        <p:sp>
-          <p:nvSpPr>
-            <p:cNvPr id="190" name="Google Shape;190;p21"/>
-            <p:cNvSpPr/>
-            <p:nvPr/>
-          </p:nvSpPr>
-          <p:spPr>
-            <a:xfrm>
-              <a:off x="0" y="0"/>
-              <a:ext cx="4513047" cy="2409371"/>
-            </a:xfrm>
-            <a:custGeom>
-              <a:avLst/>
-              <a:gdLst/>
-              <a:ahLst/>
-              <a:cxnLst/>
-              <a:rect l="l" t="t" r="r" b="b"/>
-              <a:pathLst>
-                <a:path w="4513047" h="2409371" extrusionOk="0">
-                  <a:moveTo>
-                    <a:pt x="0" y="0"/>
-                  </a:moveTo>
-                  <a:lnTo>
-                    <a:pt x="4513047" y="0"/>
-                  </a:lnTo>
-                  <a:lnTo>
-                    <a:pt x="4513047" y="2409371"/>
-                  </a:lnTo>
-                  <a:lnTo>
-                    <a:pt x="0" y="2409371"/>
-                  </a:lnTo>
-                  <a:close/>
-                </a:path>
-              </a:pathLst>
-            </a:custGeom>
-            <a:solidFill>
-              <a:srgbClr val="000000">
-                <a:alpha val="0"/>
-              </a:srgbClr>
-            </a:solidFill>
-            <a:ln w="19050" cap="sq" cmpd="sng">
-              <a:solidFill>
-                <a:srgbClr val="404040"/>
-              </a:solidFill>
-              <a:prstDash val="solid"/>
-              <a:miter lim="8000"/>
-              <a:headEnd type="none" w="sm" len="sm"/>
-              <a:tailEnd type="none" w="sm" len="sm"/>
-            </a:ln>
-          </p:spPr>
-        </p:sp>
-        <p:sp>
-          <p:nvSpPr>
-            <p:cNvPr id="191" name="Google Shape;191;p21"/>
-            <p:cNvSpPr txBox="1"/>
-            <p:nvPr/>
-          </p:nvSpPr>
-          <p:spPr>
-            <a:xfrm>
-              <a:off x="0" y="-28575"/>
-              <a:ext cx="4513047" cy="2437946"/>
-            </a:xfrm>
-            <a:prstGeom prst="rect">
-              <a:avLst/>
-            </a:prstGeom>
-            <a:noFill/>
-            <a:ln>
-              <a:noFill/>
-            </a:ln>
-          </p:spPr>
-          <p:txBody>
-            <a:bodyPr spcFirstLastPara="1" wrap="square" lIns="50800" tIns="50800" rIns="50800" bIns="50800" anchor="ctr" anchorCtr="0">
-              <a:noAutofit/>
-            </a:bodyPr>
-            <a:lstStyle/>
-            <a:p>
-              <a:pPr marL="0" marR="0" lvl="0" indent="0" algn="ctr" rtl="0">
-                <a:lnSpc>
-                  <a:spcPct val="108888"/>
-                </a:lnSpc>
-                <a:spcBef>
-                  <a:spcPts val="0"/>
-                </a:spcBef>
-                <a:spcAft>
-                  <a:spcPts val="0"/>
-                </a:spcAft>
-                <a:buNone/>
-              </a:pPr>
-              <a:endParaRPr sz="1800">
-                <a:solidFill>
-                  <a:schemeClr val="dk1"/>
-                </a:solidFill>
-                <a:latin typeface="Calibri"/>
-                <a:ea typeface="Calibri"/>
-                <a:cs typeface="Calibri"/>
-                <a:sym typeface="Calibri"/>
-              </a:endParaRPr>
-            </a:p>
-          </p:txBody>
-        </p:sp>
-      </p:grpSp>
       <p:pic>
         <p:nvPicPr>
-          <p:cNvPr id="3" name="Picture 2"/>
+          <p:cNvPr id="4" name="Picture 3"/>
           <p:cNvPicPr>
             <a:picLocks noChangeAspect="1"/>
           </p:cNvPicPr>
@@ -19631,8 +20124,8 @@
         </p:blipFill>
         <p:spPr>
           <a:xfrm>
-            <a:off x="-1" y="7937"/>
-            <a:ext cx="18288000" cy="10287000"/>
+            <a:off x="-1" y="0"/>
+            <a:ext cx="18288001" cy="10286999"/>
           </a:xfrm>
           <a:prstGeom prst="rect">
             <a:avLst/>
@@ -19888,8 +20381,8 @@
         </p:nvSpPr>
         <p:spPr>
           <a:xfrm>
-            <a:off x="8326582" y="4397602"/>
-            <a:ext cx="2064327" cy="246221"/>
+            <a:off x="8007928" y="3801857"/>
+            <a:ext cx="2050472" cy="246221"/>
           </a:xfrm>
           <a:prstGeom prst="rect">
             <a:avLst/>
@@ -21956,14 +22449,34 @@
                 <a:latin typeface="Times New Roman" panose="02020603050405020304" pitchFamily="18" charset="0"/>
                 <a:cs typeface="Times New Roman" panose="02020603050405020304" pitchFamily="18" charset="0"/>
               </a:rPr>
-              <a:t>1. Sequence Handling:</a:t>
-            </a:r>
+              <a:t>1. </a:t>
+            </a:r>
+            <a:r>
+              <a:rPr lang="en-US" sz="3600" b="1" u="sng" dirty="0">
+                <a:latin typeface="Times New Roman" panose="02020603050405020304" pitchFamily="18" charset="0"/>
+                <a:cs typeface="Times New Roman" panose="02020603050405020304" pitchFamily="18" charset="0"/>
+              </a:rPr>
+              <a:t>Sequence Handling:</a:t>
+            </a:r>
+            <a:r>
+              <a:rPr lang="en-US" sz="3600" u="sng" dirty="0">
+                <a:latin typeface="Times New Roman" panose="02020603050405020304" pitchFamily="18" charset="0"/>
+                <a:cs typeface="Times New Roman" panose="02020603050405020304" pitchFamily="18" charset="0"/>
+              </a:rPr>
+              <a:t/>
+            </a:r>
+            <a:br>
+              <a:rPr lang="en-US" sz="3600" u="sng" dirty="0">
+                <a:latin typeface="Times New Roman" panose="02020603050405020304" pitchFamily="18" charset="0"/>
+                <a:cs typeface="Times New Roman" panose="02020603050405020304" pitchFamily="18" charset="0"/>
+              </a:rPr>
+            </a:br>
             <a:r>
               <a:rPr lang="en-US" sz="3600" dirty="0">
                 <a:latin typeface="Times New Roman" panose="02020603050405020304" pitchFamily="18" charset="0"/>
                 <a:cs typeface="Times New Roman" panose="02020603050405020304" pitchFamily="18" charset="0"/>
               </a:rPr>
-              <a:t/>
+              <a:t>RNNs are explicitly designed to handle sequential data, such as time-series data, speech, and text, making them well-suited for applications like language modeling and speech recognition.</a:t>
             </a:r>
             <a:br>
               <a:rPr lang="en-US" sz="3600" dirty="0">
@@ -21976,7 +22489,7 @@
                 <a:latin typeface="Times New Roman" panose="02020603050405020304" pitchFamily="18" charset="0"/>
                 <a:cs typeface="Times New Roman" panose="02020603050405020304" pitchFamily="18" charset="0"/>
               </a:rPr>
-              <a:t>RNNs are explicitly designed to handle sequential data, such as time-series data, speech, and text, making them well-suited for applications like language modeling and speech recognition.</a:t>
+              <a:t/>
             </a:r>
             <a:br>
               <a:rPr lang="en-US" sz="3600" dirty="0">
@@ -21985,24 +22498,18 @@
               </a:rPr>
             </a:br>
             <a:r>
-              <a:rPr lang="en-US" sz="3600" dirty="0">
-                <a:latin typeface="Times New Roman" panose="02020603050405020304" pitchFamily="18" charset="0"/>
-                <a:cs typeface="Times New Roman" panose="02020603050405020304" pitchFamily="18" charset="0"/>
-              </a:rPr>
-              <a:t/>
-            </a:r>
-            <a:br>
-              <a:rPr lang="en-US" sz="3600" dirty="0">
-                <a:latin typeface="Times New Roman" panose="02020603050405020304" pitchFamily="18" charset="0"/>
-                <a:cs typeface="Times New Roman" panose="02020603050405020304" pitchFamily="18" charset="0"/>
-              </a:rPr>
-            </a:br>
-            <a:r>
               <a:rPr lang="en-US" sz="3600" b="1" dirty="0">
                 <a:latin typeface="Times New Roman" panose="02020603050405020304" pitchFamily="18" charset="0"/>
                 <a:cs typeface="Times New Roman" panose="02020603050405020304" pitchFamily="18" charset="0"/>
               </a:rPr>
-              <a:t>2. Contextual Memory:</a:t>
+              <a:t>2. </a:t>
+            </a:r>
+            <a:r>
+              <a:rPr lang="en-US" sz="3600" b="1" u="sng" dirty="0">
+                <a:latin typeface="Times New Roman" panose="02020603050405020304" pitchFamily="18" charset="0"/>
+                <a:cs typeface="Times New Roman" panose="02020603050405020304" pitchFamily="18" charset="0"/>
+              </a:rPr>
+              <a:t>Contextual Memory:</a:t>
             </a:r>
             <a:r>
               <a:rPr lang="en-US" sz="3600" dirty="0">
